--- a/你的恩典夠我用 (崇拜版).pptx
+++ b/你的恩典夠我用 (崇拜版).pptx
@@ -312,7 +312,7 @@
           <a:p>
             <a:fld id="{BFEB1A99-8C3F-4D98-8584-B5DB38B1A655}" type="datetimeFigureOut">
               <a:rPr lang="zh-TW" altLang="en-US" smtClean="0"/>
-              <a:t>2021/10/29</a:t>
+              <a:t>2023/3/11</a:t>
             </a:fld>
             <a:endParaRPr lang="zh-TW" altLang="en-US"/>
           </a:p>
@@ -477,7 +477,7 @@
           <a:p>
             <a:fld id="{BFEB1A99-8C3F-4D98-8584-B5DB38B1A655}" type="datetimeFigureOut">
               <a:rPr lang="zh-TW" altLang="en-US" smtClean="0"/>
-              <a:t>2021/10/29</a:t>
+              <a:t>2023/3/11</a:t>
             </a:fld>
             <a:endParaRPr lang="zh-TW" altLang="en-US"/>
           </a:p>
@@ -652,7 +652,7 @@
           <a:p>
             <a:fld id="{BFEB1A99-8C3F-4D98-8584-B5DB38B1A655}" type="datetimeFigureOut">
               <a:rPr lang="zh-TW" altLang="en-US" smtClean="0"/>
-              <a:t>2021/10/29</a:t>
+              <a:t>2023/3/11</a:t>
             </a:fld>
             <a:endParaRPr lang="zh-TW" altLang="en-US"/>
           </a:p>
@@ -817,7 +817,7 @@
           <a:p>
             <a:fld id="{BFEB1A99-8C3F-4D98-8584-B5DB38B1A655}" type="datetimeFigureOut">
               <a:rPr lang="zh-TW" altLang="en-US" smtClean="0"/>
-              <a:t>2021/10/29</a:t>
+              <a:t>2023/3/11</a:t>
             </a:fld>
             <a:endParaRPr lang="zh-TW" altLang="en-US"/>
           </a:p>
@@ -1058,7 +1058,7 @@
           <a:p>
             <a:fld id="{BFEB1A99-8C3F-4D98-8584-B5DB38B1A655}" type="datetimeFigureOut">
               <a:rPr lang="zh-TW" altLang="en-US" smtClean="0"/>
-              <a:t>2021/10/29</a:t>
+              <a:t>2023/3/11</a:t>
             </a:fld>
             <a:endParaRPr lang="zh-TW" altLang="en-US"/>
           </a:p>
@@ -1341,7 +1341,7 @@
           <a:p>
             <a:fld id="{BFEB1A99-8C3F-4D98-8584-B5DB38B1A655}" type="datetimeFigureOut">
               <a:rPr lang="zh-TW" altLang="en-US" smtClean="0"/>
-              <a:t>2021/10/29</a:t>
+              <a:t>2023/3/11</a:t>
             </a:fld>
             <a:endParaRPr lang="zh-TW" altLang="en-US"/>
           </a:p>
@@ -1758,7 +1758,7 @@
           <a:p>
             <a:fld id="{BFEB1A99-8C3F-4D98-8584-B5DB38B1A655}" type="datetimeFigureOut">
               <a:rPr lang="zh-TW" altLang="en-US" smtClean="0"/>
-              <a:t>2021/10/29</a:t>
+              <a:t>2023/3/11</a:t>
             </a:fld>
             <a:endParaRPr lang="zh-TW" altLang="en-US"/>
           </a:p>
@@ -1871,7 +1871,7 @@
           <a:p>
             <a:fld id="{BFEB1A99-8C3F-4D98-8584-B5DB38B1A655}" type="datetimeFigureOut">
               <a:rPr lang="zh-TW" altLang="en-US" smtClean="0"/>
-              <a:t>2021/10/29</a:t>
+              <a:t>2023/3/11</a:t>
             </a:fld>
             <a:endParaRPr lang="zh-TW" altLang="en-US"/>
           </a:p>
@@ -1961,7 +1961,7 @@
           <a:p>
             <a:fld id="{BFEB1A99-8C3F-4D98-8584-B5DB38B1A655}" type="datetimeFigureOut">
               <a:rPr lang="zh-TW" altLang="en-US" smtClean="0"/>
-              <a:t>2021/10/29</a:t>
+              <a:t>2023/3/11</a:t>
             </a:fld>
             <a:endParaRPr lang="zh-TW" altLang="en-US"/>
           </a:p>
@@ -2233,7 +2233,7 @@
           <a:p>
             <a:fld id="{BFEB1A99-8C3F-4D98-8584-B5DB38B1A655}" type="datetimeFigureOut">
               <a:rPr lang="zh-TW" altLang="en-US" smtClean="0"/>
-              <a:t>2021/10/29</a:t>
+              <a:t>2023/3/11</a:t>
             </a:fld>
             <a:endParaRPr lang="zh-TW" altLang="en-US"/>
           </a:p>
@@ -2485,7 +2485,7 @@
           <a:p>
             <a:fld id="{BFEB1A99-8C3F-4D98-8584-B5DB38B1A655}" type="datetimeFigureOut">
               <a:rPr lang="zh-TW" altLang="en-US" smtClean="0"/>
-              <a:t>2021/10/29</a:t>
+              <a:t>2023/3/11</a:t>
             </a:fld>
             <a:endParaRPr lang="zh-TW" altLang="en-US"/>
           </a:p>
@@ -2698,7 +2698,7 @@
           <a:p>
             <a:fld id="{BFEB1A99-8C3F-4D98-8584-B5DB38B1A655}" type="datetimeFigureOut">
               <a:rPr lang="zh-TW" altLang="en-US" smtClean="0"/>
-              <a:t>2021/10/29</a:t>
+              <a:t>2023/3/11</a:t>
             </a:fld>
             <a:endParaRPr lang="zh-TW" altLang="en-US"/>
           </a:p>
@@ -3237,7 +3237,7 @@
         <p:spPr>
           <a:xfrm>
             <a:off x="0" y="3795886"/>
-            <a:ext cx="9144000" cy="646331"/>
+            <a:ext cx="9144000" cy="523220"/>
           </a:xfrm>
           <a:prstGeom prst="rect">
             <a:avLst/>
@@ -3252,7 +3252,7 @@
           <a:p>
             <a:pPr algn="ctr"/>
             <a:r>
-              <a:rPr lang="en-US" sz="3600" b="1" dirty="0">
+              <a:rPr lang="en-US" sz="2800" b="1" dirty="0">
                 <a:solidFill>
                   <a:srgbClr val="000066"/>
                 </a:solidFill>
@@ -3263,7 +3263,7 @@
               <a:t>( </a:t>
             </a:r>
             <a:r>
-              <a:rPr lang="zh-CN" altLang="en-US" sz="3600" b="1" dirty="0">
+              <a:rPr lang="zh-CN" altLang="en-US" sz="2800" b="1" dirty="0">
                 <a:solidFill>
                   <a:srgbClr val="000066"/>
                 </a:solidFill>
@@ -3274,7 +3274,7 @@
               <a:t>正</a:t>
             </a:r>
             <a:r>
-              <a:rPr lang="en-US" sz="3600" b="1" dirty="0">
+              <a:rPr lang="en-US" sz="2800" b="1" dirty="0">
                 <a:solidFill>
                   <a:srgbClr val="000066"/>
                 </a:solidFill>
@@ -3284,7 +3284,7 @@
               </a:rPr>
               <a:t> )</a:t>
             </a:r>
-            <a:endParaRPr lang="vi-VN" sz="3600" b="1" dirty="0">
+            <a:endParaRPr lang="vi-VN" sz="2800" b="1" dirty="0">
               <a:solidFill>
                 <a:srgbClr val="000066"/>
               </a:solidFill>
@@ -3380,7 +3380,7 @@
         <p:spPr>
           <a:xfrm>
             <a:off x="0" y="3795886"/>
-            <a:ext cx="9144000" cy="646331"/>
+            <a:ext cx="9144000" cy="523220"/>
           </a:xfrm>
           <a:prstGeom prst="rect">
             <a:avLst/>
@@ -3395,43 +3395,39 @@
           <a:p>
             <a:pPr algn="ctr"/>
             <a:r>
-              <a:rPr lang="en-US" sz="3600" b="1" dirty="0">
-                <a:solidFill>
-                  <a:srgbClr val="000066"/>
-                </a:solidFill>
-                <a:effectLst/>
+              <a:rPr lang="en-US" sz="2800" b="1" dirty="0">
+                <a:solidFill>
+                  <a:srgbClr val="000066"/>
+                </a:solidFill>
                 <a:latin typeface="Microsoft JhengHei" panose="020B0604030504040204" pitchFamily="34" charset="-120"/>
                 <a:ea typeface="Microsoft JhengHei" panose="020B0604030504040204" pitchFamily="34" charset="-120"/>
               </a:rPr>
               <a:t>( </a:t>
             </a:r>
             <a:r>
-              <a:rPr lang="zh-CN" altLang="en-US" sz="3600" b="1" dirty="0">
-                <a:solidFill>
-                  <a:srgbClr val="000066"/>
-                </a:solidFill>
-                <a:effectLst/>
+              <a:rPr lang="zh-CN" altLang="en-US" sz="2800" b="1" dirty="0">
+                <a:solidFill>
+                  <a:srgbClr val="000066"/>
+                </a:solidFill>
                 <a:latin typeface="Microsoft JhengHei" panose="020B0604030504040204" pitchFamily="34" charset="-120"/>
                 <a:ea typeface="Microsoft JhengHei" panose="020B0604030504040204" pitchFamily="34" charset="-120"/>
               </a:rPr>
               <a:t>正</a:t>
             </a:r>
             <a:r>
-              <a:rPr lang="en-US" sz="3600" b="1" dirty="0">
-                <a:solidFill>
-                  <a:srgbClr val="000066"/>
-                </a:solidFill>
-                <a:effectLst/>
+              <a:rPr lang="en-US" sz="2800" b="1" dirty="0">
+                <a:solidFill>
+                  <a:srgbClr val="000066"/>
+                </a:solidFill>
                 <a:latin typeface="Microsoft JhengHei" panose="020B0604030504040204" pitchFamily="34" charset="-120"/>
                 <a:ea typeface="Microsoft JhengHei" panose="020B0604030504040204" pitchFamily="34" charset="-120"/>
               </a:rPr>
               <a:t> )</a:t>
             </a:r>
-            <a:endParaRPr lang="vi-VN" sz="3600" b="1" dirty="0">
+            <a:endParaRPr lang="vi-VN" sz="2800" b="1" dirty="0">
               <a:solidFill>
                 <a:srgbClr val="000066"/>
               </a:solidFill>
-              <a:effectLst/>
               <a:latin typeface="Microsoft JhengHei" panose="020B0604030504040204" pitchFamily="34" charset="-120"/>
               <a:ea typeface="Microsoft JhengHei" panose="020B0604030504040204" pitchFamily="34" charset="-120"/>
             </a:endParaRPr>
@@ -3565,7 +3561,7 @@
         <p:spPr>
           <a:xfrm>
             <a:off x="0" y="3795886"/>
-            <a:ext cx="9144000" cy="646331"/>
+            <a:ext cx="9144000" cy="523220"/>
           </a:xfrm>
           <a:prstGeom prst="rect">
             <a:avLst/>
@@ -3580,43 +3576,39 @@
           <a:p>
             <a:pPr algn="ctr"/>
             <a:r>
-              <a:rPr lang="en-US" sz="3600" b="1" dirty="0">
-                <a:solidFill>
-                  <a:srgbClr val="000066"/>
-                </a:solidFill>
-                <a:effectLst/>
+              <a:rPr lang="en-US" sz="2800" b="1" dirty="0">
+                <a:solidFill>
+                  <a:srgbClr val="000066"/>
+                </a:solidFill>
                 <a:latin typeface="Microsoft JhengHei" panose="020B0604030504040204" pitchFamily="34" charset="-120"/>
                 <a:ea typeface="Microsoft JhengHei" panose="020B0604030504040204" pitchFamily="34" charset="-120"/>
               </a:rPr>
               <a:t>( </a:t>
             </a:r>
             <a:r>
-              <a:rPr lang="zh-CN" altLang="en-US" sz="3600" b="1" dirty="0">
-                <a:solidFill>
-                  <a:srgbClr val="000066"/>
-                </a:solidFill>
-                <a:effectLst/>
+              <a:rPr lang="zh-CN" altLang="en-US" sz="2800" b="1" dirty="0">
+                <a:solidFill>
+                  <a:srgbClr val="000066"/>
+                </a:solidFill>
                 <a:latin typeface="Microsoft JhengHei" panose="020B0604030504040204" pitchFamily="34" charset="-120"/>
                 <a:ea typeface="Microsoft JhengHei" panose="020B0604030504040204" pitchFamily="34" charset="-120"/>
               </a:rPr>
               <a:t>正</a:t>
             </a:r>
             <a:r>
-              <a:rPr lang="en-US" sz="3600" b="1" dirty="0">
-                <a:solidFill>
-                  <a:srgbClr val="000066"/>
-                </a:solidFill>
-                <a:effectLst/>
+              <a:rPr lang="en-US" sz="2800" b="1" dirty="0">
+                <a:solidFill>
+                  <a:srgbClr val="000066"/>
+                </a:solidFill>
                 <a:latin typeface="Microsoft JhengHei" panose="020B0604030504040204" pitchFamily="34" charset="-120"/>
                 <a:ea typeface="Microsoft JhengHei" panose="020B0604030504040204" pitchFamily="34" charset="-120"/>
               </a:rPr>
               <a:t> )</a:t>
             </a:r>
-            <a:endParaRPr lang="vi-VN" sz="3600" b="1" dirty="0">
+            <a:endParaRPr lang="vi-VN" sz="2800" b="1" dirty="0">
               <a:solidFill>
                 <a:srgbClr val="000066"/>
               </a:solidFill>
-              <a:effectLst/>
               <a:latin typeface="Microsoft JhengHei" panose="020B0604030504040204" pitchFamily="34" charset="-120"/>
               <a:ea typeface="Microsoft JhengHei" panose="020B0604030504040204" pitchFamily="34" charset="-120"/>
             </a:endParaRPr>
@@ -3708,7 +3700,7 @@
         <p:spPr>
           <a:xfrm>
             <a:off x="0" y="3795886"/>
-            <a:ext cx="9144000" cy="646331"/>
+            <a:ext cx="9144000" cy="523220"/>
           </a:xfrm>
           <a:prstGeom prst="rect">
             <a:avLst/>
@@ -3723,43 +3715,39 @@
           <a:p>
             <a:pPr algn="ctr"/>
             <a:r>
-              <a:rPr lang="en-US" sz="3600" b="1" dirty="0">
-                <a:solidFill>
-                  <a:srgbClr val="000066"/>
-                </a:solidFill>
-                <a:effectLst/>
+              <a:rPr lang="en-US" sz="2800" b="1" dirty="0">
+                <a:solidFill>
+                  <a:srgbClr val="000066"/>
+                </a:solidFill>
                 <a:latin typeface="Microsoft JhengHei" panose="020B0604030504040204" pitchFamily="34" charset="-120"/>
                 <a:ea typeface="Microsoft JhengHei" panose="020B0604030504040204" pitchFamily="34" charset="-120"/>
               </a:rPr>
               <a:t>( </a:t>
             </a:r>
             <a:r>
-              <a:rPr lang="zh-CN" altLang="en-US" sz="3600" b="1" dirty="0">
-                <a:solidFill>
-                  <a:srgbClr val="000066"/>
-                </a:solidFill>
-                <a:effectLst/>
+              <a:rPr lang="zh-CN" altLang="en-US" sz="2800" b="1" dirty="0">
+                <a:solidFill>
+                  <a:srgbClr val="000066"/>
+                </a:solidFill>
                 <a:latin typeface="Microsoft JhengHei" panose="020B0604030504040204" pitchFamily="34" charset="-120"/>
                 <a:ea typeface="Microsoft JhengHei" panose="020B0604030504040204" pitchFamily="34" charset="-120"/>
               </a:rPr>
               <a:t>正</a:t>
             </a:r>
             <a:r>
-              <a:rPr lang="en-US" sz="3600" b="1" dirty="0">
-                <a:solidFill>
-                  <a:srgbClr val="000066"/>
-                </a:solidFill>
-                <a:effectLst/>
+              <a:rPr lang="en-US" sz="2800" b="1" dirty="0">
+                <a:solidFill>
+                  <a:srgbClr val="000066"/>
+                </a:solidFill>
                 <a:latin typeface="Microsoft JhengHei" panose="020B0604030504040204" pitchFamily="34" charset="-120"/>
                 <a:ea typeface="Microsoft JhengHei" panose="020B0604030504040204" pitchFamily="34" charset="-120"/>
               </a:rPr>
               <a:t> )</a:t>
             </a:r>
-            <a:endParaRPr lang="vi-VN" sz="3600" b="1" dirty="0">
+            <a:endParaRPr lang="vi-VN" sz="2800" b="1" dirty="0">
               <a:solidFill>
                 <a:srgbClr val="000066"/>
               </a:solidFill>
-              <a:effectLst/>
               <a:latin typeface="Microsoft JhengHei" panose="020B0604030504040204" pitchFamily="34" charset="-120"/>
               <a:ea typeface="Microsoft JhengHei" panose="020B0604030504040204" pitchFamily="34" charset="-120"/>
             </a:endParaRPr>
@@ -3893,7 +3881,7 @@
         <p:spPr>
           <a:xfrm>
             <a:off x="0" y="3795886"/>
-            <a:ext cx="9144000" cy="646331"/>
+            <a:ext cx="9144000" cy="523220"/>
           </a:xfrm>
           <a:prstGeom prst="rect">
             <a:avLst/>
@@ -3908,54 +3896,49 @@
           <a:p>
             <a:pPr algn="ctr"/>
             <a:r>
-              <a:rPr lang="en-US" sz="3600" b="1" dirty="0">
-                <a:solidFill>
-                  <a:srgbClr val="000066"/>
-                </a:solidFill>
-                <a:effectLst/>
+              <a:rPr lang="en-US" sz="2800" b="1" dirty="0">
+                <a:solidFill>
+                  <a:srgbClr val="000066"/>
+                </a:solidFill>
                 <a:latin typeface="Microsoft JhengHei" panose="020B0604030504040204" pitchFamily="34" charset="-120"/>
                 <a:ea typeface="Microsoft JhengHei" panose="020B0604030504040204" pitchFamily="34" charset="-120"/>
               </a:rPr>
               <a:t>( </a:t>
             </a:r>
             <a:r>
-              <a:rPr lang="zh-CN" altLang="en-US" sz="3600" b="1" dirty="0" smtClean="0">
-                <a:solidFill>
-                  <a:srgbClr val="000066"/>
-                </a:solidFill>
-                <a:effectLst/>
+              <a:rPr lang="zh-CN" altLang="en-US" sz="2800" b="1" dirty="0">
+                <a:solidFill>
+                  <a:srgbClr val="000066"/>
+                </a:solidFill>
                 <a:latin typeface="Microsoft JhengHei" panose="020B0604030504040204" pitchFamily="34" charset="-120"/>
                 <a:ea typeface="Microsoft JhengHei" panose="020B0604030504040204" pitchFamily="34" charset="-120"/>
               </a:rPr>
               <a:t>副</a:t>
             </a:r>
             <a:r>
-              <a:rPr lang="en-US" sz="3600" b="1" dirty="0" smtClean="0">
-                <a:solidFill>
-                  <a:srgbClr val="000066"/>
-                </a:solidFill>
-                <a:effectLst/>
+              <a:rPr lang="en-US" sz="2800" b="1" dirty="0">
+                <a:solidFill>
+                  <a:srgbClr val="000066"/>
+                </a:solidFill>
                 <a:latin typeface="Microsoft JhengHei" panose="020B0604030504040204" pitchFamily="34" charset="-120"/>
                 <a:ea typeface="Microsoft JhengHei" panose="020B0604030504040204" pitchFamily="34" charset="-120"/>
               </a:rPr>
               <a:t> </a:t>
             </a:r>
             <a:r>
-              <a:rPr lang="en-US" sz="3600" b="1" dirty="0">
-                <a:solidFill>
-                  <a:srgbClr val="000066"/>
-                </a:solidFill>
-                <a:effectLst/>
+              <a:rPr lang="en-US" sz="2800" b="1" dirty="0">
+                <a:solidFill>
+                  <a:srgbClr val="000066"/>
+                </a:solidFill>
                 <a:latin typeface="Microsoft JhengHei" panose="020B0604030504040204" pitchFamily="34" charset="-120"/>
                 <a:ea typeface="Microsoft JhengHei" panose="020B0604030504040204" pitchFamily="34" charset="-120"/>
               </a:rPr>
               <a:t>)</a:t>
             </a:r>
-            <a:endParaRPr lang="vi-VN" sz="3600" b="1" dirty="0">
+            <a:endParaRPr lang="vi-VN" sz="2800" b="1" dirty="0">
               <a:solidFill>
                 <a:srgbClr val="000066"/>
               </a:solidFill>
-              <a:effectLst/>
               <a:latin typeface="Microsoft JhengHei" panose="020B0604030504040204" pitchFamily="34" charset="-120"/>
               <a:ea typeface="Microsoft JhengHei" panose="020B0604030504040204" pitchFamily="34" charset="-120"/>
             </a:endParaRPr>
@@ -4047,7 +4030,7 @@
         <p:spPr>
           <a:xfrm>
             <a:off x="0" y="3795886"/>
-            <a:ext cx="9144000" cy="646331"/>
+            <a:ext cx="9144000" cy="523220"/>
           </a:xfrm>
           <a:prstGeom prst="rect">
             <a:avLst/>
@@ -4062,54 +4045,49 @@
           <a:p>
             <a:pPr algn="ctr"/>
             <a:r>
-              <a:rPr lang="en-US" sz="3600" b="1" dirty="0">
-                <a:solidFill>
-                  <a:srgbClr val="000066"/>
-                </a:solidFill>
-                <a:effectLst/>
+              <a:rPr lang="en-US" sz="2800" b="1" dirty="0">
+                <a:solidFill>
+                  <a:srgbClr val="000066"/>
+                </a:solidFill>
                 <a:latin typeface="Microsoft JhengHei" panose="020B0604030504040204" pitchFamily="34" charset="-120"/>
                 <a:ea typeface="Microsoft JhengHei" panose="020B0604030504040204" pitchFamily="34" charset="-120"/>
               </a:rPr>
               <a:t>( </a:t>
             </a:r>
             <a:r>
-              <a:rPr lang="zh-CN" altLang="en-US" sz="3600" b="1" dirty="0" smtClean="0">
-                <a:solidFill>
-                  <a:srgbClr val="000066"/>
-                </a:solidFill>
-                <a:effectLst/>
+              <a:rPr lang="zh-CN" altLang="en-US" sz="2800" b="1" dirty="0">
+                <a:solidFill>
+                  <a:srgbClr val="000066"/>
+                </a:solidFill>
                 <a:latin typeface="Microsoft JhengHei" panose="020B0604030504040204" pitchFamily="34" charset="-120"/>
                 <a:ea typeface="Microsoft JhengHei" panose="020B0604030504040204" pitchFamily="34" charset="-120"/>
               </a:rPr>
               <a:t>副</a:t>
             </a:r>
             <a:r>
-              <a:rPr lang="en-US" sz="3600" b="1" dirty="0" smtClean="0">
-                <a:solidFill>
-                  <a:srgbClr val="000066"/>
-                </a:solidFill>
-                <a:effectLst/>
+              <a:rPr lang="en-US" sz="2800" b="1" dirty="0">
+                <a:solidFill>
+                  <a:srgbClr val="000066"/>
+                </a:solidFill>
                 <a:latin typeface="Microsoft JhengHei" panose="020B0604030504040204" pitchFamily="34" charset="-120"/>
                 <a:ea typeface="Microsoft JhengHei" panose="020B0604030504040204" pitchFamily="34" charset="-120"/>
               </a:rPr>
               <a:t> </a:t>
             </a:r>
             <a:r>
-              <a:rPr lang="en-US" sz="3600" b="1" dirty="0">
-                <a:solidFill>
-                  <a:srgbClr val="000066"/>
-                </a:solidFill>
-                <a:effectLst/>
+              <a:rPr lang="en-US" sz="2800" b="1" dirty="0">
+                <a:solidFill>
+                  <a:srgbClr val="000066"/>
+                </a:solidFill>
                 <a:latin typeface="Microsoft JhengHei" panose="020B0604030504040204" pitchFamily="34" charset="-120"/>
                 <a:ea typeface="Microsoft JhengHei" panose="020B0604030504040204" pitchFamily="34" charset="-120"/>
               </a:rPr>
               <a:t>)</a:t>
             </a:r>
-            <a:endParaRPr lang="vi-VN" sz="3600" b="1" dirty="0">
+            <a:endParaRPr lang="vi-VN" sz="2800" b="1" dirty="0">
               <a:solidFill>
                 <a:srgbClr val="000066"/>
               </a:solidFill>
-              <a:effectLst/>
               <a:latin typeface="Microsoft JhengHei" panose="020B0604030504040204" pitchFamily="34" charset="-120"/>
               <a:ea typeface="Microsoft JhengHei" panose="020B0604030504040204" pitchFamily="34" charset="-120"/>
             </a:endParaRPr>
@@ -4243,7 +4221,7 @@
         <p:spPr>
           <a:xfrm>
             <a:off x="0" y="3795886"/>
-            <a:ext cx="9144000" cy="646331"/>
+            <a:ext cx="9144000" cy="523220"/>
           </a:xfrm>
           <a:prstGeom prst="rect">
             <a:avLst/>
@@ -4258,54 +4236,49 @@
           <a:p>
             <a:pPr algn="ctr"/>
             <a:r>
-              <a:rPr lang="en-US" sz="3600" b="1" dirty="0">
-                <a:solidFill>
-                  <a:srgbClr val="000066"/>
-                </a:solidFill>
-                <a:effectLst/>
+              <a:rPr lang="en-US" sz="2800" b="1" dirty="0">
+                <a:solidFill>
+                  <a:srgbClr val="000066"/>
+                </a:solidFill>
                 <a:latin typeface="Microsoft JhengHei" panose="020B0604030504040204" pitchFamily="34" charset="-120"/>
                 <a:ea typeface="Microsoft JhengHei" panose="020B0604030504040204" pitchFamily="34" charset="-120"/>
               </a:rPr>
               <a:t>( </a:t>
             </a:r>
             <a:r>
-              <a:rPr lang="zh-CN" altLang="en-US" sz="3600" b="1" dirty="0" smtClean="0">
-                <a:solidFill>
-                  <a:srgbClr val="000066"/>
-                </a:solidFill>
-                <a:effectLst/>
+              <a:rPr lang="zh-CN" altLang="en-US" sz="2800" b="1" dirty="0">
+                <a:solidFill>
+                  <a:srgbClr val="000066"/>
+                </a:solidFill>
                 <a:latin typeface="Microsoft JhengHei" panose="020B0604030504040204" pitchFamily="34" charset="-120"/>
                 <a:ea typeface="Microsoft JhengHei" panose="020B0604030504040204" pitchFamily="34" charset="-120"/>
               </a:rPr>
               <a:t>副</a:t>
             </a:r>
             <a:r>
-              <a:rPr lang="en-US" sz="3600" b="1" dirty="0" smtClean="0">
-                <a:solidFill>
-                  <a:srgbClr val="000066"/>
-                </a:solidFill>
-                <a:effectLst/>
+              <a:rPr lang="en-US" sz="2800" b="1" dirty="0">
+                <a:solidFill>
+                  <a:srgbClr val="000066"/>
+                </a:solidFill>
                 <a:latin typeface="Microsoft JhengHei" panose="020B0604030504040204" pitchFamily="34" charset="-120"/>
                 <a:ea typeface="Microsoft JhengHei" panose="020B0604030504040204" pitchFamily="34" charset="-120"/>
               </a:rPr>
               <a:t> </a:t>
             </a:r>
             <a:r>
-              <a:rPr lang="en-US" sz="3600" b="1" dirty="0">
-                <a:solidFill>
-                  <a:srgbClr val="000066"/>
-                </a:solidFill>
-                <a:effectLst/>
+              <a:rPr lang="en-US" sz="2800" b="1" dirty="0">
+                <a:solidFill>
+                  <a:srgbClr val="000066"/>
+                </a:solidFill>
                 <a:latin typeface="Microsoft JhengHei" panose="020B0604030504040204" pitchFamily="34" charset="-120"/>
                 <a:ea typeface="Microsoft JhengHei" panose="020B0604030504040204" pitchFamily="34" charset="-120"/>
               </a:rPr>
               <a:t>)</a:t>
             </a:r>
-            <a:endParaRPr lang="vi-VN" sz="3600" b="1" dirty="0">
+            <a:endParaRPr lang="vi-VN" sz="2800" b="1" dirty="0">
               <a:solidFill>
                 <a:srgbClr val="000066"/>
               </a:solidFill>
-              <a:effectLst/>
               <a:latin typeface="Microsoft JhengHei" panose="020B0604030504040204" pitchFamily="34" charset="-120"/>
               <a:ea typeface="Microsoft JhengHei" panose="020B0604030504040204" pitchFamily="34" charset="-120"/>
             </a:endParaRPr>
@@ -4427,7 +4400,7 @@
         <p:spPr>
           <a:xfrm>
             <a:off x="0" y="3795886"/>
-            <a:ext cx="9144000" cy="646331"/>
+            <a:ext cx="9144000" cy="523220"/>
           </a:xfrm>
           <a:prstGeom prst="rect">
             <a:avLst/>
@@ -4442,54 +4415,49 @@
           <a:p>
             <a:pPr algn="ctr"/>
             <a:r>
-              <a:rPr lang="en-US" sz="3600" b="1" dirty="0">
-                <a:solidFill>
-                  <a:srgbClr val="000066"/>
-                </a:solidFill>
-                <a:effectLst/>
+              <a:rPr lang="en-US" sz="2800" b="1" dirty="0">
+                <a:solidFill>
+                  <a:srgbClr val="000066"/>
+                </a:solidFill>
                 <a:latin typeface="Microsoft JhengHei" panose="020B0604030504040204" pitchFamily="34" charset="-120"/>
                 <a:ea typeface="Microsoft JhengHei" panose="020B0604030504040204" pitchFamily="34" charset="-120"/>
               </a:rPr>
               <a:t>( </a:t>
             </a:r>
             <a:r>
-              <a:rPr lang="zh-CN" altLang="en-US" sz="3600" b="1" dirty="0" smtClean="0">
-                <a:solidFill>
-                  <a:srgbClr val="000066"/>
-                </a:solidFill>
-                <a:effectLst/>
+              <a:rPr lang="zh-CN" altLang="en-US" sz="2800" b="1" dirty="0">
+                <a:solidFill>
+                  <a:srgbClr val="000066"/>
+                </a:solidFill>
                 <a:latin typeface="Microsoft JhengHei" panose="020B0604030504040204" pitchFamily="34" charset="-120"/>
                 <a:ea typeface="Microsoft JhengHei" panose="020B0604030504040204" pitchFamily="34" charset="-120"/>
               </a:rPr>
               <a:t>副</a:t>
             </a:r>
             <a:r>
-              <a:rPr lang="en-US" sz="3600" b="1" dirty="0" smtClean="0">
-                <a:solidFill>
-                  <a:srgbClr val="000066"/>
-                </a:solidFill>
-                <a:effectLst/>
+              <a:rPr lang="en-US" sz="2800" b="1" dirty="0">
+                <a:solidFill>
+                  <a:srgbClr val="000066"/>
+                </a:solidFill>
                 <a:latin typeface="Microsoft JhengHei" panose="020B0604030504040204" pitchFamily="34" charset="-120"/>
                 <a:ea typeface="Microsoft JhengHei" panose="020B0604030504040204" pitchFamily="34" charset="-120"/>
               </a:rPr>
               <a:t> </a:t>
             </a:r>
             <a:r>
-              <a:rPr lang="en-US" sz="3600" b="1" dirty="0">
-                <a:solidFill>
-                  <a:srgbClr val="000066"/>
-                </a:solidFill>
-                <a:effectLst/>
+              <a:rPr lang="en-US" sz="2800" b="1" dirty="0">
+                <a:solidFill>
+                  <a:srgbClr val="000066"/>
+                </a:solidFill>
                 <a:latin typeface="Microsoft JhengHei" panose="020B0604030504040204" pitchFamily="34" charset="-120"/>
                 <a:ea typeface="Microsoft JhengHei" panose="020B0604030504040204" pitchFamily="34" charset="-120"/>
               </a:rPr>
               <a:t>)</a:t>
             </a:r>
-            <a:endParaRPr lang="vi-VN" sz="3600" b="1" dirty="0">
+            <a:endParaRPr lang="vi-VN" sz="2800" b="1" dirty="0">
               <a:solidFill>
                 <a:srgbClr val="000066"/>
               </a:solidFill>
-              <a:effectLst/>
               <a:latin typeface="Microsoft JhengHei" panose="020B0604030504040204" pitchFamily="34" charset="-120"/>
               <a:ea typeface="Microsoft JhengHei" panose="020B0604030504040204" pitchFamily="34" charset="-120"/>
             </a:endParaRPr>
